--- a/Verteitigung_info2.pptx
+++ b/Verteitigung_info2.pptx
@@ -132,7 +132,41 @@
       </a:defRPr>
     </a:lvl9pPr>
   </p:defaultTextStyle>
+  <p:extLst>
+    <p:ext uri="{EFAFB233-063F-42B5-8137-9DF3F51BA10A}">
+      <p15:sldGuideLst xmlns:p15="http://schemas.microsoft.com/office/powerpoint/2012/main"/>
+    </p:ext>
+  </p:extLst>
 </p:presentation>
+</file>
+
+<file path=ppt/changesInfos/changesInfo1.xml><?xml version="1.0" encoding="utf-8"?>
+<pc:chgInfo xmlns:a="http://schemas.openxmlformats.org/drawingml/2006/main" xmlns:r="http://schemas.openxmlformats.org/officeDocument/2006/relationships" xmlns:ac="http://schemas.microsoft.com/office/drawing/2013/main/command" xmlns:pc="http://schemas.microsoft.com/office/powerpoint/2013/main/command">
+  <pc:docChgLst>
+    <pc:chgData name="Henry Winkel" userId="6a56c43121c79b0a" providerId="LiveId" clId="{36249B65-CA07-4113-B63E-939CB0044704}"/>
+    <pc:docChg chg="modSld">
+      <pc:chgData name="Henry Winkel" userId="6a56c43121c79b0a" providerId="LiveId" clId="{36249B65-CA07-4113-B63E-939CB0044704}" dt="2018-09-11T17:53:58.507" v="9" actId="6549"/>
+      <pc:docMkLst>
+        <pc:docMk/>
+      </pc:docMkLst>
+      <pc:sldChg chg="modSp">
+        <pc:chgData name="Henry Winkel" userId="6a56c43121c79b0a" providerId="LiveId" clId="{36249B65-CA07-4113-B63E-939CB0044704}" dt="2018-09-11T17:53:58.507" v="9" actId="6549"/>
+        <pc:sldMkLst>
+          <pc:docMk/>
+          <pc:sldMk cId="0" sldId="279"/>
+        </pc:sldMkLst>
+        <pc:spChg chg="mod">
+          <ac:chgData name="Henry Winkel" userId="6a56c43121c79b0a" providerId="LiveId" clId="{36249B65-CA07-4113-B63E-939CB0044704}" dt="2018-09-11T17:53:58.507" v="9" actId="6549"/>
+          <ac:spMkLst>
+            <pc:docMk/>
+            <pc:sldMk cId="0" sldId="279"/>
+            <ac:spMk id="236" creationId="{00000000-0000-0000-0000-000000000000}"/>
+          </ac:spMkLst>
+        </pc:spChg>
+      </pc:sldChg>
+    </pc:docChg>
+  </pc:docChgLst>
+</pc:chgInfo>
 </file>
 
 <file path=ppt/notesMasters/notesMaster1.xml><?xml version="1.0" encoding="utf-8"?>
@@ -23719,7 +23753,7 @@
               </a:lnSpc>
             </a:pPr>
             <a:r>
-              <a:rPr lang="de-DE" sz="1800" b="0" strike="noStrike" spc="-1">
+              <a:rPr lang="de-DE" sz="1800" b="0" strike="noStrike" spc="-1" dirty="0">
                 <a:solidFill>
                   <a:srgbClr val="666666"/>
                 </a:solidFill>
@@ -23733,7 +23767,7 @@
               </a:rPr>
               <a:t>[1] https://www.copybook.com/media/military/profiles/laarsa-legion-of-associated-</a:t>
             </a:r>
-            <a:endParaRPr lang="de-DE" sz="1800" b="0" strike="noStrike" spc="-1">
+            <a:endParaRPr lang="de-DE" sz="1800" b="0" strike="noStrike" spc="-1" dirty="0">
               <a:solidFill>
                 <a:srgbClr val="000000"/>
               </a:solidFill>
@@ -23752,7 +23786,7 @@
               </a:lnSpc>
             </a:pPr>
             <a:r>
-              <a:rPr lang="de-DE" sz="1800" b="0" strike="noStrike" spc="-1">
+              <a:rPr lang="de-DE" sz="1800" b="0" strike="noStrike" spc="-1" dirty="0">
                 <a:solidFill>
                   <a:srgbClr val="666666"/>
                 </a:solidFill>
@@ -23764,9 +23798,99 @@
                 <a:latin typeface="Arial"/>
                 <a:ea typeface="DejaVu Sans"/>
               </a:rPr>
-              <a:t>     airborne-republic-of-south-africa/migrated/images/SimuStrike-800.jpg</a:t>
+              <a:t>     </a:t>
             </a:r>
-            <a:endParaRPr lang="de-DE" sz="1800" b="0" strike="noStrike" spc="-1">
+            <a:r>
+              <a:rPr lang="de-DE" sz="1800" b="0" strike="noStrike" spc="-1" dirty="0" err="1">
+                <a:solidFill>
+                  <a:srgbClr val="666666"/>
+                </a:solidFill>
+                <a:uFill>
+                  <a:solidFill>
+                    <a:srgbClr val="FFFFFF"/>
+                  </a:solidFill>
+                </a:uFill>
+                <a:latin typeface="Arial"/>
+                <a:ea typeface="DejaVu Sans"/>
+              </a:rPr>
+              <a:t>airborne-republic-of-south-africa</a:t>
+            </a:r>
+            <a:r>
+              <a:rPr lang="de-DE" sz="1800" b="0" strike="noStrike" spc="-1" dirty="0">
+                <a:solidFill>
+                  <a:srgbClr val="666666"/>
+                </a:solidFill>
+                <a:uFill>
+                  <a:solidFill>
+                    <a:srgbClr val="FFFFFF"/>
+                  </a:solidFill>
+                </a:uFill>
+                <a:latin typeface="Arial"/>
+                <a:ea typeface="DejaVu Sans"/>
+              </a:rPr>
+              <a:t>/</a:t>
+            </a:r>
+            <a:r>
+              <a:rPr lang="de-DE" sz="1800" b="0" strike="noStrike" spc="-1" dirty="0" err="1">
+                <a:solidFill>
+                  <a:srgbClr val="666666"/>
+                </a:solidFill>
+                <a:uFill>
+                  <a:solidFill>
+                    <a:srgbClr val="FFFFFF"/>
+                  </a:solidFill>
+                </a:uFill>
+                <a:latin typeface="Arial"/>
+                <a:ea typeface="DejaVu Sans"/>
+              </a:rPr>
+              <a:t>migrated</a:t>
+            </a:r>
+            <a:r>
+              <a:rPr lang="de-DE" sz="1800" b="0" strike="noStrike" spc="-1" dirty="0">
+                <a:solidFill>
+                  <a:srgbClr val="666666"/>
+                </a:solidFill>
+                <a:uFill>
+                  <a:solidFill>
+                    <a:srgbClr val="FFFFFF"/>
+                  </a:solidFill>
+                </a:uFill>
+                <a:latin typeface="Arial"/>
+                <a:ea typeface="DejaVu Sans"/>
+              </a:rPr>
+              <a:t>/</a:t>
+            </a:r>
+            <a:r>
+              <a:rPr lang="de-DE" sz="1800" b="0" strike="noStrike" spc="-1" dirty="0" err="1">
+                <a:solidFill>
+                  <a:srgbClr val="666666"/>
+                </a:solidFill>
+                <a:uFill>
+                  <a:solidFill>
+                    <a:srgbClr val="FFFFFF"/>
+                  </a:solidFill>
+                </a:uFill>
+                <a:latin typeface="Arial"/>
+                <a:ea typeface="DejaVu Sans"/>
+              </a:rPr>
+              <a:t>images</a:t>
+            </a:r>
+            <a:r>
+              <a:rPr lang="de-DE" sz="1800" b="0" strike="noStrike" spc="-1" dirty="0">
+                <a:solidFill>
+                  <a:srgbClr val="666666"/>
+                </a:solidFill>
+                <a:uFill>
+                  <a:solidFill>
+                    <a:srgbClr val="FFFFFF"/>
+                  </a:solidFill>
+                </a:uFill>
+                <a:latin typeface="Arial"/>
+                <a:ea typeface="DejaVu Sans"/>
+              </a:rPr>
+              <a:t>/SimuStrike-800.jpg</a:t>
+            </a:r>
+            <a:endParaRPr lang="de-DE" sz="1800" b="0" strike="noStrike" spc="-1" dirty="0">
               <a:solidFill>
                 <a:srgbClr val="000000"/>
               </a:solidFill>
@@ -23785,7 +23909,7 @@
               </a:lnSpc>
             </a:pPr>
             <a:r>
-              <a:rPr lang="de-DE" sz="1800" b="0" strike="noStrike" spc="-1">
+              <a:rPr lang="de-DE" sz="1800" b="0" strike="noStrike" spc="-1" dirty="0">
                 <a:solidFill>
                   <a:srgbClr val="666666"/>
                 </a:solidFill>
@@ -23799,7 +23923,7 @@
               </a:rPr>
               <a:t>[2] https://news.usni.org/wp-content/uploads/2018/02/161118-N-N0443-0040.jpg</a:t>
             </a:r>
-            <a:endParaRPr lang="de-DE" sz="1800" b="0" strike="noStrike" spc="-1">
+            <a:endParaRPr lang="de-DE" sz="1800" b="0" strike="noStrike" spc="-1" dirty="0">
               <a:solidFill>
                 <a:srgbClr val="000000"/>
               </a:solidFill>
@@ -23818,7 +23942,7 @@
               </a:lnSpc>
             </a:pPr>
             <a:r>
-              <a:rPr lang="de-DE" sz="1800" b="0" strike="noStrike" spc="-1">
+              <a:rPr lang="de-DE" sz="1800" b="0" strike="noStrike" spc="-1" dirty="0">
                 <a:solidFill>
                   <a:srgbClr val="666666"/>
                 </a:solidFill>
@@ -23830,28 +23954,10 @@
                 <a:latin typeface="Arial"/>
                 <a:ea typeface="DejaVu Sans"/>
               </a:rPr>
-              <a:t>[3] IEEE Standard for Distributed Interactive Simulation – Aplication Protocols</a:t>
+              <a:t>[3] IEEE Standard </a:t>
             </a:r>
-            <a:endParaRPr lang="de-DE" sz="1800" b="0" strike="noStrike" spc="-1">
-              <a:solidFill>
-                <a:srgbClr val="000000"/>
-              </a:solidFill>
-              <a:uFill>
-                <a:solidFill>
-                  <a:srgbClr val="FFFFFF"/>
-                </a:solidFill>
-              </a:uFill>
-              <a:latin typeface="Arial"/>
-            </a:endParaRPr>
-          </a:p>
-          <a:p>
-            <a:pPr algn="just">
-              <a:lnSpc>
-                <a:spcPct val="100000"/>
-              </a:lnSpc>
-            </a:pPr>
             <a:r>
-              <a:rPr lang="de-DE" sz="1800" b="0" strike="noStrike" spc="-1">
+              <a:rPr lang="de-DE" sz="1800" b="0" strike="noStrike" spc="-1" dirty="0" err="1">
                 <a:solidFill>
                   <a:srgbClr val="666666"/>
                 </a:solidFill>
@@ -23863,28 +23969,10 @@
                 <a:latin typeface="Arial"/>
                 <a:ea typeface="DejaVu Sans"/>
               </a:rPr>
-              <a:t>[4] http://earthstationnotes.blogspot.com/2011/08/cone-of-silence-demystified.html</a:t>
+              <a:t>for</a:t>
             </a:r>
-            <a:endParaRPr lang="de-DE" sz="1800" b="0" strike="noStrike" spc="-1">
-              <a:solidFill>
-                <a:srgbClr val="000000"/>
-              </a:solidFill>
-              <a:uFill>
-                <a:solidFill>
-                  <a:srgbClr val="FFFFFF"/>
-                </a:solidFill>
-              </a:uFill>
-              <a:latin typeface="Arial"/>
-            </a:endParaRPr>
-          </a:p>
-          <a:p>
-            <a:pPr algn="just">
-              <a:lnSpc>
-                <a:spcPct val="100000"/>
-              </a:lnSpc>
-            </a:pPr>
             <a:r>
-              <a:rPr lang="de-DE" sz="1800" b="0" strike="noStrike" spc="-1">
+              <a:rPr lang="de-DE" sz="1800" b="0" strike="noStrike" spc="-1" dirty="0">
                 <a:solidFill>
                   <a:srgbClr val="666666"/>
                 </a:solidFill>
@@ -23896,9 +23984,128 @@
                 <a:latin typeface="Arial"/>
                 <a:ea typeface="DejaVu Sans"/>
               </a:rPr>
-              <a:t>[5] http://open-dis.org/Open-DIS.ppt</a:t>
+              <a:t> Distributed Interactive Simulation – </a:t>
             </a:r>
-            <a:endParaRPr lang="de-DE" sz="1800" b="0" strike="noStrike" spc="-1">
+            <a:r>
+              <a:rPr lang="de-DE" sz="1800" b="0" strike="noStrike" spc="-1" dirty="0" err="1">
+                <a:solidFill>
+                  <a:srgbClr val="666666"/>
+                </a:solidFill>
+                <a:uFill>
+                  <a:solidFill>
+                    <a:srgbClr val="FFFFFF"/>
+                  </a:solidFill>
+                </a:uFill>
+                <a:latin typeface="Arial"/>
+                <a:ea typeface="DejaVu Sans"/>
+              </a:rPr>
+              <a:t>Aplication</a:t>
+            </a:r>
+            <a:r>
+              <a:rPr lang="de-DE" sz="1800" b="0" strike="noStrike" spc="-1" dirty="0">
+                <a:solidFill>
+                  <a:srgbClr val="666666"/>
+                </a:solidFill>
+                <a:uFill>
+                  <a:solidFill>
+                    <a:srgbClr val="FFFFFF"/>
+                  </a:solidFill>
+                </a:uFill>
+                <a:latin typeface="Arial"/>
+                <a:ea typeface="DejaVu Sans"/>
+              </a:rPr>
+              <a:t> </a:t>
+            </a:r>
+            <a:r>
+              <a:rPr lang="de-DE" sz="1800" b="0" strike="noStrike" spc="-1" dirty="0" err="1">
+                <a:solidFill>
+                  <a:srgbClr val="666666"/>
+                </a:solidFill>
+                <a:uFill>
+                  <a:solidFill>
+                    <a:srgbClr val="FFFFFF"/>
+                  </a:solidFill>
+                </a:uFill>
+                <a:latin typeface="Arial"/>
+                <a:ea typeface="DejaVu Sans"/>
+              </a:rPr>
+              <a:t>Protocols</a:t>
+            </a:r>
+            <a:endParaRPr lang="de-DE" sz="1800" b="0" strike="noStrike" spc="-1" dirty="0">
+              <a:solidFill>
+                <a:srgbClr val="000000"/>
+              </a:solidFill>
+              <a:uFill>
+                <a:solidFill>
+                  <a:srgbClr val="FFFFFF"/>
+                </a:solidFill>
+              </a:uFill>
+              <a:latin typeface="Arial"/>
+            </a:endParaRPr>
+          </a:p>
+          <a:p>
+            <a:pPr algn="just"/>
+            <a:r>
+              <a:rPr lang="de-DE" spc="-1">
+                <a:solidFill>
+                  <a:srgbClr val="666666"/>
+                </a:solidFill>
+                <a:uFill>
+                  <a:solidFill>
+                    <a:srgbClr val="FFFFFF"/>
+                  </a:solidFill>
+                </a:uFill>
+              </a:rPr>
+              <a:t>[4] http://open-dis.org/Open-DIS.ppt</a:t>
+            </a:r>
+            <a:endParaRPr lang="de-DE" spc="-1">
+              <a:solidFill>
+                <a:srgbClr val="000000"/>
+              </a:solidFill>
+              <a:uFill>
+                <a:solidFill>
+                  <a:srgbClr val="FFFFFF"/>
+                </a:solidFill>
+              </a:uFill>
+            </a:endParaRPr>
+          </a:p>
+          <a:p>
+            <a:pPr algn="just">
+              <a:lnSpc>
+                <a:spcPct val="100000"/>
+              </a:lnSpc>
+            </a:pPr>
+            <a:r>
+              <a:rPr lang="de-DE" sz="1800" b="0" strike="noStrike" spc="-1">
+                <a:solidFill>
+                  <a:srgbClr val="666666"/>
+                </a:solidFill>
+                <a:uFill>
+                  <a:solidFill>
+                    <a:srgbClr val="FFFFFF"/>
+                  </a:solidFill>
+                </a:uFill>
+                <a:latin typeface="Arial"/>
+                <a:ea typeface="DejaVu Sans"/>
+              </a:rPr>
+              <a:t>[</a:t>
+            </a:r>
+            <a:r>
+              <a:rPr lang="de-DE" sz="1800" b="0" strike="noStrike" spc="-1" dirty="0">
+                <a:solidFill>
+                  <a:srgbClr val="666666"/>
+                </a:solidFill>
+                <a:uFill>
+                  <a:solidFill>
+                    <a:srgbClr val="FFFFFF"/>
+                  </a:solidFill>
+                </a:uFill>
+                <a:latin typeface="Arial"/>
+                <a:ea typeface="DejaVu Sans"/>
+              </a:rPr>
+              <a:t>5] http://earthstationnotes.blogspot.com/2011/08/cone-of-silence-demystified.html</a:t>
+            </a:r>
+            <a:endParaRPr lang="de-DE" sz="1800" b="0" strike="noStrike" spc="-1" dirty="0">
               <a:solidFill>
                 <a:srgbClr val="000000"/>
               </a:solidFill>

--- a/Verteitigung_info2.pptx
+++ b/Verteitigung_info2.pptx
@@ -24713,7 +24713,7 @@
               <a:buChar char=""/>
             </a:pPr>
             <a:r>
-              <a:rPr lang="de-DE" sz="2400" b="0" strike="noStrike" spc="-1">
+              <a:rPr lang="de-DE" sz="2400" b="0" strike="noStrike" spc="-1" dirty="0">
                 <a:solidFill>
                   <a:srgbClr val="5F5F5F"/>
                 </a:solidFill>
@@ -24727,7 +24727,7 @@
               </a:rPr>
               <a:t>Motivation: </a:t>
             </a:r>
-            <a:endParaRPr lang="de-DE" sz="2400" b="0" strike="noStrike" spc="-1">
+            <a:endParaRPr lang="de-DE" sz="2400" b="0" strike="noStrike" spc="-1" dirty="0">
               <a:solidFill>
                 <a:srgbClr val="000000"/>
               </a:solidFill>
@@ -24751,7 +24751,7 @@
               <a:buChar char="−"/>
             </a:pPr>
             <a:r>
-              <a:rPr lang="de-DE" sz="2000" b="0" strike="noStrike" spc="-1">
+              <a:rPr lang="de-DE" sz="2000" spc="-1" dirty="0">
                 <a:solidFill>
                   <a:srgbClr val="5F5F5F"/>
                 </a:solidFill>
@@ -24763,9 +24763,24 @@
                 <a:latin typeface="Arial"/>
                 <a:ea typeface="DejaVu Sans"/>
               </a:rPr>
-              <a:t>Verknüpfung der beiden Simulatoren </a:t>
+              <a:t>Vernetzen von</a:t>
             </a:r>
-            <a:endParaRPr lang="de-DE" sz="2000" b="0" strike="noStrike" spc="-1">
+            <a:r>
+              <a:rPr lang="de-DE" sz="2000" b="0" strike="noStrike" spc="-1" dirty="0">
+                <a:solidFill>
+                  <a:srgbClr val="5F5F5F"/>
+                </a:solidFill>
+                <a:uFill>
+                  <a:solidFill>
+                    <a:srgbClr val="FFFFFF"/>
+                  </a:solidFill>
+                </a:uFill>
+                <a:latin typeface="Arial"/>
+                <a:ea typeface="DejaVu Sans"/>
+              </a:rPr>
+              <a:t> Simulatoren </a:t>
+            </a:r>
+            <a:endParaRPr lang="de-DE" sz="2000" b="0" strike="noStrike" spc="-1" dirty="0">
               <a:solidFill>
                 <a:srgbClr val="000000"/>
               </a:solidFill>
@@ -24789,7 +24804,7 @@
               <a:buChar char="−"/>
             </a:pPr>
             <a:r>
-              <a:rPr lang="de-DE" sz="2000" b="0" strike="noStrike" spc="-1">
+              <a:rPr lang="de-DE" sz="2000" b="0" strike="noStrike" spc="-1" dirty="0">
                 <a:solidFill>
                   <a:srgbClr val="5F5F5F"/>
                 </a:solidFill>
@@ -24803,7 +24818,7 @@
               </a:rPr>
               <a:t>Gemeinsames absolvieren von Trainings </a:t>
             </a:r>
-            <a:endParaRPr lang="de-DE" sz="2000" b="0" strike="noStrike" spc="-1">
+            <a:endParaRPr lang="de-DE" sz="2000" b="0" strike="noStrike" spc="-1" dirty="0">
               <a:solidFill>
                 <a:srgbClr val="000000"/>
               </a:solidFill>
@@ -24827,7 +24842,7 @@
               <a:buChar char=""/>
             </a:pPr>
             <a:r>
-              <a:rPr lang="de-DE" sz="1800" b="0" strike="noStrike" spc="-1">
+              <a:rPr lang="de-DE" sz="1800" b="0" strike="noStrike" spc="-1" dirty="0">
                 <a:solidFill>
                   <a:srgbClr val="5F5F5F"/>
                 </a:solidFill>
@@ -24841,7 +24856,7 @@
               </a:rPr>
               <a:t>Operation verbundener Kräfte</a:t>
             </a:r>
-            <a:endParaRPr lang="de-DE" sz="1800" b="0" strike="noStrike" spc="-1">
+            <a:endParaRPr lang="de-DE" sz="1800" b="0" strike="noStrike" spc="-1" dirty="0">
               <a:solidFill>
                 <a:srgbClr val="000000"/>
               </a:solidFill>
@@ -24865,7 +24880,7 @@
               <a:buChar char="−"/>
             </a:pPr>
             <a:r>
-              <a:rPr lang="de-DE" sz="2000" b="0" strike="noStrike" spc="-1">
+              <a:rPr lang="de-DE" sz="2000" b="0" strike="noStrike" spc="-1" dirty="0">
                 <a:solidFill>
                   <a:srgbClr val="5F5F5F"/>
                 </a:solidFill>
@@ -24879,7 +24894,7 @@
               </a:rPr>
               <a:t>Ausbildung von Personal</a:t>
             </a:r>
-            <a:endParaRPr lang="de-DE" sz="2000" b="0" strike="noStrike" spc="-1">
+            <a:endParaRPr lang="de-DE" sz="2000" b="0" strike="noStrike" spc="-1" dirty="0">
               <a:solidFill>
                 <a:srgbClr val="000000"/>
               </a:solidFill>
@@ -24903,7 +24918,7 @@
               <a:buChar char="−"/>
             </a:pPr>
             <a:r>
-              <a:rPr lang="de-DE" sz="2000" b="0" strike="noStrike" spc="-1">
+              <a:rPr lang="de-DE" sz="2000" b="0" strike="noStrike" spc="-1" dirty="0">
                 <a:solidFill>
                   <a:srgbClr val="5F5F5F"/>
                 </a:solidFill>
@@ -24917,7 +24932,7 @@
               </a:rPr>
               <a:t>Entwicklung und Tests neuer Taktiken</a:t>
             </a:r>
-            <a:endParaRPr lang="de-DE" sz="2000" b="0" strike="noStrike" spc="-1">
+            <a:endParaRPr lang="de-DE" sz="2000" b="0" strike="noStrike" spc="-1" dirty="0">
               <a:solidFill>
                 <a:srgbClr val="000000"/>
               </a:solidFill>
@@ -24935,7 +24950,7 @@
                 <a:spcPct val="100000"/>
               </a:lnSpc>
             </a:pPr>
-            <a:endParaRPr lang="de-DE" sz="2000" b="0" strike="noStrike" spc="-1">
+            <a:endParaRPr lang="de-DE" sz="2000" b="0" strike="noStrike" spc="-1" dirty="0">
               <a:solidFill>
                 <a:srgbClr val="000000"/>
               </a:solidFill>
